--- a/lua.pptx
+++ b/lua.pptx
@@ -6,7 +6,8 @@
   </p:sldMasterIdLst>
   <p:sldIdLst>
     <p:sldId id="256" r:id="rId2"/>
-    <p:sldId id="257" r:id="rId3"/>
+    <p:sldId id="258" r:id="rId3"/>
+    <p:sldId id="257" r:id="rId4"/>
   </p:sldIdLst>
   <p:sldSz cx="12192000" cy="6858000"/>
   <p:notesSz cx="6858000" cy="9144000"/>
@@ -105,6 +106,11 @@
       </a:defRPr>
     </a:lvl9pPr>
   </p:defaultTextStyle>
+  <p:extLst>
+    <p:ext uri="{EFAFB233-063F-42B5-8137-9DF3F51BA10A}">
+      <p15:sldGuideLst xmlns:p15="http://schemas.microsoft.com/office/powerpoint/2012/main"/>
+    </p:ext>
+  </p:extLst>
 </p:presentation>
 </file>
 
@@ -3072,6 +3078,84 @@
           <a:lstStyle/>
           <a:p>
             <a:r>
+              <a:rPr lang="en-US" altLang="zh-CN" dirty="0" smtClean="0"/>
+              <a:t>Table</a:t>
+            </a:r>
+          </a:p>
+          <a:p>
+            <a:r>
+              <a:rPr lang="en-US" altLang="zh-CN" smtClean="0"/>
+              <a:t>userdata</a:t>
+            </a:r>
+            <a:endParaRPr lang="zh-CN" altLang="en-US" dirty="0"/>
+          </a:p>
+        </p:txBody>
+      </p:sp>
+    </p:spTree>
+    <p:extLst>
+      <p:ext uri="{BB962C8B-B14F-4D97-AF65-F5344CB8AC3E}">
+        <p14:creationId xmlns:p14="http://schemas.microsoft.com/office/powerpoint/2010/main" val="3585830495"/>
+      </p:ext>
+    </p:extLst>
+  </p:cSld>
+  <p:clrMapOvr>
+    <a:masterClrMapping/>
+  </p:clrMapOvr>
+</p:sld>
+</file>
+
+<file path=ppt/slides/slide3.xml><?xml version="1.0" encoding="utf-8"?>
+<p:sld xmlns:a="http://schemas.openxmlformats.org/drawingml/2006/main" xmlns:r="http://schemas.openxmlformats.org/officeDocument/2006/relationships" xmlns:p="http://schemas.openxmlformats.org/presentationml/2006/main">
+  <p:cSld>
+    <p:spTree>
+      <p:nvGrpSpPr>
+        <p:cNvPr id="1" name=""/>
+        <p:cNvGrpSpPr/>
+        <p:nvPr/>
+      </p:nvGrpSpPr>
+      <p:grpSpPr>
+        <a:xfrm>
+          <a:off x="0" y="0"/>
+          <a:ext cx="0" cy="0"/>
+          <a:chOff x="0" y="0"/>
+          <a:chExt cx="0" cy="0"/>
+        </a:xfrm>
+      </p:grpSpPr>
+      <p:sp>
+        <p:nvSpPr>
+          <p:cNvPr id="2" name="标题 1"/>
+          <p:cNvSpPr>
+            <a:spLocks noGrp="1"/>
+          </p:cNvSpPr>
+          <p:nvPr>
+            <p:ph type="title"/>
+          </p:nvPr>
+        </p:nvSpPr>
+        <p:spPr/>
+        <p:txBody>
+          <a:bodyPr/>
+          <a:lstStyle/>
+          <a:p>
+            <a:endParaRPr lang="zh-CN" altLang="en-US"/>
+          </a:p>
+        </p:txBody>
+      </p:sp>
+      <p:sp>
+        <p:nvSpPr>
+          <p:cNvPr id="3" name="内容占位符 2"/>
+          <p:cNvSpPr>
+            <a:spLocks noGrp="1"/>
+          </p:cNvSpPr>
+          <p:nvPr>
+            <p:ph idx="1"/>
+          </p:nvPr>
+        </p:nvSpPr>
+        <p:spPr/>
+        <p:txBody>
+          <a:bodyPr/>
+          <a:lstStyle/>
+          <a:p>
+            <a:r>
               <a:rPr lang="en-US" altLang="zh-CN" dirty="0" err="1" smtClean="0"/>
               <a:t>tolua.getpeer</a:t>
             </a:r>

--- a/lua.pptx
+++ b/lua.pptx
@@ -245,7 +245,7 @@
           <a:p>
             <a:fld id="{10DEE658-3341-4EBD-8F4E-DECCE114D94C}" type="datetimeFigureOut">
               <a:rPr lang="zh-CN" altLang="en-US" smtClean="0"/>
-              <a:t>2017/5/22</a:t>
+              <a:t>2017/5/23</a:t>
             </a:fld>
             <a:endParaRPr lang="zh-CN" altLang="en-US"/>
           </a:p>
@@ -415,7 +415,7 @@
           <a:p>
             <a:fld id="{10DEE658-3341-4EBD-8F4E-DECCE114D94C}" type="datetimeFigureOut">
               <a:rPr lang="zh-CN" altLang="en-US" smtClean="0"/>
-              <a:t>2017/5/22</a:t>
+              <a:t>2017/5/23</a:t>
             </a:fld>
             <a:endParaRPr lang="zh-CN" altLang="en-US"/>
           </a:p>
@@ -595,7 +595,7 @@
           <a:p>
             <a:fld id="{10DEE658-3341-4EBD-8F4E-DECCE114D94C}" type="datetimeFigureOut">
               <a:rPr lang="zh-CN" altLang="en-US" smtClean="0"/>
-              <a:t>2017/5/22</a:t>
+              <a:t>2017/5/23</a:t>
             </a:fld>
             <a:endParaRPr lang="zh-CN" altLang="en-US"/>
           </a:p>
@@ -765,7 +765,7 @@
           <a:p>
             <a:fld id="{10DEE658-3341-4EBD-8F4E-DECCE114D94C}" type="datetimeFigureOut">
               <a:rPr lang="zh-CN" altLang="en-US" smtClean="0"/>
-              <a:t>2017/5/22</a:t>
+              <a:t>2017/5/23</a:t>
             </a:fld>
             <a:endParaRPr lang="zh-CN" altLang="en-US"/>
           </a:p>
@@ -1011,7 +1011,7 @@
           <a:p>
             <a:fld id="{10DEE658-3341-4EBD-8F4E-DECCE114D94C}" type="datetimeFigureOut">
               <a:rPr lang="zh-CN" altLang="en-US" smtClean="0"/>
-              <a:t>2017/5/22</a:t>
+              <a:t>2017/5/23</a:t>
             </a:fld>
             <a:endParaRPr lang="zh-CN" altLang="en-US"/>
           </a:p>
@@ -1243,7 +1243,7 @@
           <a:p>
             <a:fld id="{10DEE658-3341-4EBD-8F4E-DECCE114D94C}" type="datetimeFigureOut">
               <a:rPr lang="zh-CN" altLang="en-US" smtClean="0"/>
-              <a:t>2017/5/22</a:t>
+              <a:t>2017/5/23</a:t>
             </a:fld>
             <a:endParaRPr lang="zh-CN" altLang="en-US"/>
           </a:p>
@@ -1610,7 +1610,7 @@
           <a:p>
             <a:fld id="{10DEE658-3341-4EBD-8F4E-DECCE114D94C}" type="datetimeFigureOut">
               <a:rPr lang="zh-CN" altLang="en-US" smtClean="0"/>
-              <a:t>2017/5/22</a:t>
+              <a:t>2017/5/23</a:t>
             </a:fld>
             <a:endParaRPr lang="zh-CN" altLang="en-US"/>
           </a:p>
@@ -1728,7 +1728,7 @@
           <a:p>
             <a:fld id="{10DEE658-3341-4EBD-8F4E-DECCE114D94C}" type="datetimeFigureOut">
               <a:rPr lang="zh-CN" altLang="en-US" smtClean="0"/>
-              <a:t>2017/5/22</a:t>
+              <a:t>2017/5/23</a:t>
             </a:fld>
             <a:endParaRPr lang="zh-CN" altLang="en-US"/>
           </a:p>
@@ -1823,7 +1823,7 @@
           <a:p>
             <a:fld id="{10DEE658-3341-4EBD-8F4E-DECCE114D94C}" type="datetimeFigureOut">
               <a:rPr lang="zh-CN" altLang="en-US" smtClean="0"/>
-              <a:t>2017/5/22</a:t>
+              <a:t>2017/5/23</a:t>
             </a:fld>
             <a:endParaRPr lang="zh-CN" altLang="en-US"/>
           </a:p>
@@ -2100,7 +2100,7 @@
           <a:p>
             <a:fld id="{10DEE658-3341-4EBD-8F4E-DECCE114D94C}" type="datetimeFigureOut">
               <a:rPr lang="zh-CN" altLang="en-US" smtClean="0"/>
-              <a:t>2017/5/22</a:t>
+              <a:t>2017/5/23</a:t>
             </a:fld>
             <a:endParaRPr lang="zh-CN" altLang="en-US"/>
           </a:p>
@@ -2353,7 +2353,7 @@
           <a:p>
             <a:fld id="{10DEE658-3341-4EBD-8F4E-DECCE114D94C}" type="datetimeFigureOut">
               <a:rPr lang="zh-CN" altLang="en-US" smtClean="0"/>
-              <a:t>2017/5/22</a:t>
+              <a:t>2017/5/23</a:t>
             </a:fld>
             <a:endParaRPr lang="zh-CN" altLang="en-US"/>
           </a:p>
@@ -2566,7 +2566,7 @@
           <a:p>
             <a:fld id="{10DEE658-3341-4EBD-8F4E-DECCE114D94C}" type="datetimeFigureOut">
               <a:rPr lang="zh-CN" altLang="en-US" smtClean="0"/>
-              <a:t>2017/5/22</a:t>
+              <a:t>2017/5/23</a:t>
             </a:fld>
             <a:endParaRPr lang="zh-CN" altLang="en-US"/>
           </a:p>
@@ -3006,10 +3006,47 @@
         </p:nvSpPr>
         <p:spPr/>
         <p:txBody>
-          <a:bodyPr/>
-          <a:lstStyle/>
-          <a:p>
-            <a:endParaRPr lang="zh-CN" altLang="en-US"/>
+          <a:bodyPr>
+            <a:normAutofit fontScale="92500" lnSpcReduction="20000"/>
+          </a:bodyPr>
+          <a:lstStyle/>
+          <a:p>
+            <a:r>
+              <a:rPr lang="en-US" altLang="zh-CN" dirty="0" err="1"/>
+              <a:t>Lua</a:t>
+            </a:r>
+            <a:r>
+              <a:rPr lang="en-US" altLang="zh-CN" dirty="0"/>
+              <a:t> is an extension programming language designed to support general procedural programming with data description facilities. It also offers good support for object-oriented programming, functional programming, and data-driven programming. </a:t>
+            </a:r>
+            <a:r>
+              <a:rPr lang="en-US" altLang="zh-CN" dirty="0" err="1"/>
+              <a:t>Lua</a:t>
+            </a:r>
+            <a:r>
+              <a:rPr lang="en-US" altLang="zh-CN" dirty="0"/>
+              <a:t> is intended to be used as a powerful, light-weight scripting language for any program that needs one. </a:t>
+            </a:r>
+            <a:r>
+              <a:rPr lang="en-US" altLang="zh-CN" dirty="0" err="1"/>
+              <a:t>Lua</a:t>
+            </a:r>
+            <a:r>
+              <a:rPr lang="en-US" altLang="zh-CN" dirty="0"/>
+              <a:t> is implemented as a library, written in </a:t>
+            </a:r>
+            <a:r>
+              <a:rPr lang="en-US" altLang="zh-CN" i="1" dirty="0"/>
+              <a:t>clean</a:t>
+            </a:r>
+            <a:r>
+              <a:rPr lang="en-US" altLang="zh-CN" dirty="0"/>
+              <a:t> C (that is, in the common subset of ANSI C and C++)</a:t>
+            </a:r>
+            <a:endParaRPr lang="zh-CN" altLang="en-US" dirty="0"/>
+          </a:p>
+          <a:p>
+            <a:endParaRPr lang="zh-CN" altLang="en-US" dirty="0"/>
           </a:p>
         </p:txBody>
       </p:sp>
@@ -3058,7 +3095,15 @@
           <a:bodyPr/>
           <a:lstStyle/>
           <a:p>
-            <a:endParaRPr lang="zh-CN" altLang="en-US"/>
+            <a:r>
+              <a:rPr lang="en-US" altLang="zh-CN" dirty="0" err="1"/>
+              <a:t>Lua</a:t>
+            </a:r>
+            <a:r>
+              <a:rPr lang="en-US" altLang="zh-CN" dirty="0"/>
+              <a:t> value and type</a:t>
+            </a:r>
+            <a:endParaRPr lang="zh-CN" altLang="en-US" dirty="0"/>
           </a:p>
         </p:txBody>
       </p:sp>
@@ -3074,19 +3119,102 @@
         </p:nvSpPr>
         <p:spPr/>
         <p:txBody>
-          <a:bodyPr/>
-          <a:lstStyle/>
-          <a:p>
-            <a:r>
-              <a:rPr lang="en-US" altLang="zh-CN" dirty="0" smtClean="0"/>
-              <a:t>Table</a:t>
-            </a:r>
-          </a:p>
-          <a:p>
-            <a:r>
-              <a:rPr lang="en-US" altLang="zh-CN" smtClean="0"/>
+          <a:bodyPr>
+            <a:normAutofit fontScale="92500" lnSpcReduction="20000"/>
+          </a:bodyPr>
+          <a:lstStyle/>
+          <a:p>
+            <a:r>
+              <a:rPr lang="en-US" altLang="zh-CN" dirty="0"/>
+              <a:t>nil</a:t>
+            </a:r>
+          </a:p>
+          <a:p>
+            <a:r>
+              <a:rPr lang="en-US" altLang="zh-CN" dirty="0" err="1"/>
+              <a:t>boolean</a:t>
+            </a:r>
+            <a:endParaRPr lang="en-US" altLang="zh-CN" dirty="0"/>
+          </a:p>
+          <a:p>
+            <a:r>
+              <a:rPr lang="en-US" altLang="zh-CN" dirty="0"/>
+              <a:t>number</a:t>
+            </a:r>
+          </a:p>
+          <a:p>
+            <a:r>
+              <a:rPr lang="en-US" altLang="zh-CN" dirty="0"/>
+              <a:t>string</a:t>
+            </a:r>
+          </a:p>
+          <a:p>
+            <a:r>
+              <a:rPr lang="en-US" altLang="zh-CN" dirty="0"/>
+              <a:t>function</a:t>
+            </a:r>
+          </a:p>
+          <a:p>
+            <a:r>
+              <a:rPr lang="en-US" altLang="zh-CN" dirty="0" err="1"/>
               <a:t>userdata</a:t>
             </a:r>
+            <a:r>
+              <a:rPr lang="en-US" altLang="zh-CN" dirty="0"/>
+              <a:t>(allow arbitrary C data to be stored in </a:t>
+            </a:r>
+            <a:r>
+              <a:rPr lang="en-US" altLang="zh-CN" dirty="0" err="1"/>
+              <a:t>Lua</a:t>
+            </a:r>
+            <a:r>
+              <a:rPr lang="en-US" altLang="zh-CN" dirty="0"/>
+              <a:t> variables)</a:t>
+            </a:r>
+          </a:p>
+          <a:p>
+            <a:r>
+              <a:rPr lang="en-US" altLang="zh-CN" dirty="0"/>
+              <a:t>thread</a:t>
+            </a:r>
+          </a:p>
+          <a:p>
+            <a:r>
+              <a:rPr lang="en-US" altLang="zh-CN" dirty="0"/>
+              <a:t>table</a:t>
+            </a:r>
+          </a:p>
+          <a:p>
+            <a:pPr lvl="1"/>
+            <a:r>
+              <a:rPr lang="en-US" altLang="zh-CN" dirty="0" err="1"/>
+              <a:t>metatable</a:t>
+            </a:r>
+            <a:endParaRPr lang="en-US" altLang="zh-CN" dirty="0"/>
+          </a:p>
+          <a:p>
+            <a:pPr lvl="1"/>
+            <a:r>
+              <a:rPr lang="en-US" altLang="zh-CN" dirty="0" err="1"/>
+              <a:t>Rawget</a:t>
+            </a:r>
+            <a:endParaRPr lang="en-US" altLang="zh-CN" dirty="0"/>
+          </a:p>
+          <a:p>
+            <a:pPr lvl="1"/>
+            <a:r>
+              <a:rPr lang="en-US" altLang="zh-CN" dirty="0" err="1"/>
+              <a:t>rawset</a:t>
+            </a:r>
+            <a:endParaRPr lang="en-US" altLang="zh-CN" dirty="0"/>
+          </a:p>
+          <a:p>
+            <a:pPr marL="0" indent="0">
+              <a:buNone/>
+            </a:pPr>
+            <a:endParaRPr lang="en-US" altLang="zh-CN"/>
+          </a:p>
+          <a:p>
             <a:endParaRPr lang="zh-CN" altLang="en-US" dirty="0"/>
           </a:p>
         </p:txBody>
